--- a/Villain Islands.pptx
+++ b/Villain Islands.pptx
@@ -146,6 +146,7 @@
 <file path=ppt/revisionInfo.xml><?xml version="1.0" encoding="utf-8"?>
 <p1510:revInfo xmlns:a="http://schemas.openxmlformats.org/drawingml/2006/main" xmlns:r="http://schemas.openxmlformats.org/officeDocument/2006/relationships" xmlns:p1510="http://schemas.microsoft.com/office/powerpoint/2015/10/main">
   <p1510:revLst>
+    <p1510:client id="{127E3680-718A-403A-B4FC-4189B14354E0}" v="1" dt="2020-01-07T23:25:50.109"/>
     <p1510:client id="{DEFB8031-02F5-4060-A1CC-63BDDA3D355A}" v="2" dt="2020-01-06T23:53:20.186"/>
   </p1510:revLst>
 </p1510:revInfo>
@@ -153,6 +154,68 @@
 
 <file path=ppt/changesInfos/changesInfo1.xml><?xml version="1.0" encoding="utf-8"?>
 <pc:chgInfo xmlns:a="http://schemas.openxmlformats.org/drawingml/2006/main" xmlns:r="http://schemas.openxmlformats.org/officeDocument/2006/relationships" xmlns:ac="http://schemas.microsoft.com/office/drawing/2013/main/command" xmlns:pc="http://schemas.microsoft.com/office/powerpoint/2013/main/command">
+  <pc:docChgLst>
+    <pc:chgData name="Stewart Knight" userId="2db55c9e5c88dad7" providerId="LiveId" clId="{127E3680-718A-403A-B4FC-4189B14354E0}"/>
+    <pc:docChg chg="custSel modSld">
+      <pc:chgData name="Stewart Knight" userId="2db55c9e5c88dad7" providerId="LiveId" clId="{127E3680-718A-403A-B4FC-4189B14354E0}" dt="2020-01-07T23:52:36.649" v="204" actId="20577"/>
+      <pc:docMkLst>
+        <pc:docMk/>
+      </pc:docMkLst>
+      <pc:sldChg chg="modSp">
+        <pc:chgData name="Stewart Knight" userId="2db55c9e5c88dad7" providerId="LiveId" clId="{127E3680-718A-403A-B4FC-4189B14354E0}" dt="2020-01-07T23:28:45.777" v="21" actId="20577"/>
+        <pc:sldMkLst>
+          <pc:docMk/>
+          <pc:sldMk cId="505325524" sldId="260"/>
+        </pc:sldMkLst>
+        <pc:spChg chg="mod">
+          <ac:chgData name="Stewart Knight" userId="2db55c9e5c88dad7" providerId="LiveId" clId="{127E3680-718A-403A-B4FC-4189B14354E0}" dt="2020-01-07T23:28:45.777" v="21" actId="20577"/>
+          <ac:spMkLst>
+            <pc:docMk/>
+            <pc:sldMk cId="505325524" sldId="260"/>
+            <ac:spMk id="3" creationId="{F335C8E3-B62C-407F-8647-670D2654995B}"/>
+          </ac:spMkLst>
+        </pc:spChg>
+      </pc:sldChg>
+      <pc:sldChg chg="modSp">
+        <pc:chgData name="Stewart Knight" userId="2db55c9e5c88dad7" providerId="LiveId" clId="{127E3680-718A-403A-B4FC-4189B14354E0}" dt="2020-01-07T23:52:36.649" v="204" actId="20577"/>
+        <pc:sldMkLst>
+          <pc:docMk/>
+          <pc:sldMk cId="550646835" sldId="266"/>
+        </pc:sldMkLst>
+        <pc:spChg chg="mod">
+          <ac:chgData name="Stewart Knight" userId="2db55c9e5c88dad7" providerId="LiveId" clId="{127E3680-718A-403A-B4FC-4189B14354E0}" dt="2020-01-07T23:29:45.911" v="58" actId="20577"/>
+          <ac:spMkLst>
+            <pc:docMk/>
+            <pc:sldMk cId="550646835" sldId="266"/>
+            <ac:spMk id="2" creationId="{B6D26219-D321-432A-9200-87B07099F326}"/>
+          </ac:spMkLst>
+        </pc:spChg>
+        <pc:spChg chg="mod">
+          <ac:chgData name="Stewart Knight" userId="2db55c9e5c88dad7" providerId="LiveId" clId="{127E3680-718A-403A-B4FC-4189B14354E0}" dt="2020-01-07T23:52:36.649" v="204" actId="20577"/>
+          <ac:spMkLst>
+            <pc:docMk/>
+            <pc:sldMk cId="550646835" sldId="266"/>
+            <ac:spMk id="3" creationId="{83291234-C6E8-488E-85CB-8B4D837A806C}"/>
+          </ac:spMkLst>
+        </pc:spChg>
+      </pc:sldChg>
+      <pc:sldChg chg="modSp">
+        <pc:chgData name="Stewart Knight" userId="2db55c9e5c88dad7" providerId="LiveId" clId="{127E3680-718A-403A-B4FC-4189B14354E0}" dt="2020-01-07T23:25:50.109" v="3"/>
+        <pc:sldMkLst>
+          <pc:docMk/>
+          <pc:sldMk cId="551074622" sldId="268"/>
+        </pc:sldMkLst>
+        <pc:spChg chg="mod">
+          <ac:chgData name="Stewart Knight" userId="2db55c9e5c88dad7" providerId="LiveId" clId="{127E3680-718A-403A-B4FC-4189B14354E0}" dt="2020-01-07T23:25:50.109" v="3"/>
+          <ac:spMkLst>
+            <pc:docMk/>
+            <pc:sldMk cId="551074622" sldId="268"/>
+            <ac:spMk id="3" creationId="{2B421BA4-CB93-4E5C-82A9-CD85C7D6B56B}"/>
+          </ac:spMkLst>
+        </pc:spChg>
+      </pc:sldChg>
+    </pc:docChg>
+  </pc:docChgLst>
   <pc:docChgLst>
     <pc:chgData name="Stewart Knight" userId="2db55c9e5c88dad7" providerId="LiveId" clId="{DEFB8031-02F5-4060-A1CC-63BDDA3D355A}"/>
     <pc:docChg chg="custSel mod addSld delSld modSld modSection">
@@ -373,7 +436,7 @@
           <a:p>
             <a:fld id="{550A8806-9B19-48FF-B588-2BF76CA226B6}" type="datetimeFigureOut">
               <a:rPr lang="en-US" smtClean="0"/>
-              <a:t>1/6/2020</a:t>
+              <a:t>1/7/2020</a:t>
             </a:fld>
             <a:endParaRPr lang="en-US"/>
           </a:p>
@@ -571,7 +634,7 @@
           <a:p>
             <a:fld id="{550A8806-9B19-48FF-B588-2BF76CA226B6}" type="datetimeFigureOut">
               <a:rPr lang="en-US" smtClean="0"/>
-              <a:t>1/6/2020</a:t>
+              <a:t>1/7/2020</a:t>
             </a:fld>
             <a:endParaRPr lang="en-US"/>
           </a:p>
@@ -779,7 +842,7 @@
           <a:p>
             <a:fld id="{550A8806-9B19-48FF-B588-2BF76CA226B6}" type="datetimeFigureOut">
               <a:rPr lang="en-US" smtClean="0"/>
-              <a:t>1/6/2020</a:t>
+              <a:t>1/7/2020</a:t>
             </a:fld>
             <a:endParaRPr lang="en-US"/>
           </a:p>
@@ -977,7 +1040,7 @@
           <a:p>
             <a:fld id="{550A8806-9B19-48FF-B588-2BF76CA226B6}" type="datetimeFigureOut">
               <a:rPr lang="en-US" smtClean="0"/>
-              <a:t>1/6/2020</a:t>
+              <a:t>1/7/2020</a:t>
             </a:fld>
             <a:endParaRPr lang="en-US"/>
           </a:p>
@@ -1252,7 +1315,7 @@
           <a:p>
             <a:fld id="{550A8806-9B19-48FF-B588-2BF76CA226B6}" type="datetimeFigureOut">
               <a:rPr lang="en-US" smtClean="0"/>
-              <a:t>1/6/2020</a:t>
+              <a:t>1/7/2020</a:t>
             </a:fld>
             <a:endParaRPr lang="en-US"/>
           </a:p>
@@ -1517,7 +1580,7 @@
           <a:p>
             <a:fld id="{550A8806-9B19-48FF-B588-2BF76CA226B6}" type="datetimeFigureOut">
               <a:rPr lang="en-US" smtClean="0"/>
-              <a:t>1/6/2020</a:t>
+              <a:t>1/7/2020</a:t>
             </a:fld>
             <a:endParaRPr lang="en-US"/>
           </a:p>
@@ -1929,7 +1992,7 @@
           <a:p>
             <a:fld id="{550A8806-9B19-48FF-B588-2BF76CA226B6}" type="datetimeFigureOut">
               <a:rPr lang="en-US" smtClean="0"/>
-              <a:t>1/6/2020</a:t>
+              <a:t>1/7/2020</a:t>
             </a:fld>
             <a:endParaRPr lang="en-US"/>
           </a:p>
@@ -2070,7 +2133,7 @@
           <a:p>
             <a:fld id="{550A8806-9B19-48FF-B588-2BF76CA226B6}" type="datetimeFigureOut">
               <a:rPr lang="en-US" smtClean="0"/>
-              <a:t>1/6/2020</a:t>
+              <a:t>1/7/2020</a:t>
             </a:fld>
             <a:endParaRPr lang="en-US"/>
           </a:p>
@@ -2183,7 +2246,7 @@
           <a:p>
             <a:fld id="{550A8806-9B19-48FF-B588-2BF76CA226B6}" type="datetimeFigureOut">
               <a:rPr lang="en-US" smtClean="0"/>
-              <a:t>1/6/2020</a:t>
+              <a:t>1/7/2020</a:t>
             </a:fld>
             <a:endParaRPr lang="en-US"/>
           </a:p>
@@ -2494,7 +2557,7 @@
           <a:p>
             <a:fld id="{550A8806-9B19-48FF-B588-2BF76CA226B6}" type="datetimeFigureOut">
               <a:rPr lang="en-US" smtClean="0"/>
-              <a:t>1/6/2020</a:t>
+              <a:t>1/7/2020</a:t>
             </a:fld>
             <a:endParaRPr lang="en-US"/>
           </a:p>
@@ -2782,7 +2845,7 @@
           <a:p>
             <a:fld id="{550A8806-9B19-48FF-B588-2BF76CA226B6}" type="datetimeFigureOut">
               <a:rPr lang="en-US" smtClean="0"/>
-              <a:t>1/6/2020</a:t>
+              <a:t>1/7/2020</a:t>
             </a:fld>
             <a:endParaRPr lang="en-US"/>
           </a:p>
@@ -3023,7 +3086,7 @@
           <a:p>
             <a:fld id="{550A8806-9B19-48FF-B588-2BF76CA226B6}" type="datetimeFigureOut">
               <a:rPr lang="en-US" smtClean="0"/>
-              <a:t>1/6/2020</a:t>
+              <a:t>1/7/2020</a:t>
             </a:fld>
             <a:endParaRPr lang="en-US"/>
           </a:p>
@@ -4031,6 +4094,22 @@
               <a:t>Corruption</a:t>
             </a:r>
           </a:p>
+          <a:p>
+            <a:pPr marL="0" indent="0" algn="ctr">
+              <a:lnSpc>
+                <a:spcPct val="200000"/>
+              </a:lnSpc>
+              <a:buNone/>
+            </a:pPr>
+            <a:r>
+              <a:rPr lang="en-US" dirty="0">
+                <a:solidFill>
+                  <a:srgbClr val="000000"/>
+                </a:solidFill>
+              </a:rPr>
+              <a:t>Unique Features</a:t>
+            </a:r>
+          </a:p>
         </p:txBody>
       </p:sp>
     </p:spTree>
@@ -4265,12 +4344,12 @@
               </a:rPr>
             </a:br>
             <a:r>
-              <a:rPr lang="en-US" sz="1300" b="1" dirty="0">
+              <a:rPr lang="en-US" sz="1600" b="1" dirty="0">
                 <a:solidFill>
                   <a:srgbClr val="FFFFFF"/>
                 </a:solidFill>
               </a:rPr>
-              <a:t>Which we will reveal to you now in full detail before you escape our elaborate death trap!</a:t>
+              <a:t>Which we will reveal to you now in full detail before you escape our excessively-elaborate death trap!</a:t>
             </a:r>
           </a:p>
         </p:txBody>
@@ -4316,13 +4395,23 @@
             <a:pPr marL="0" indent="0" algn="ctr">
               <a:buNone/>
             </a:pPr>
+            <a:endParaRPr lang="en-US" sz="2000" dirty="0">
+              <a:solidFill>
+                <a:srgbClr val="000000"/>
+              </a:solidFill>
+            </a:endParaRPr>
+          </a:p>
+          <a:p>
+            <a:pPr marL="0" indent="0" algn="ctr">
+              <a:buNone/>
+            </a:pPr>
             <a:r>
               <a:rPr lang="en-US" sz="2000" dirty="0">
                 <a:solidFill>
                   <a:srgbClr val="000000"/>
                 </a:solidFill>
               </a:rPr>
-              <a:t>Private Islands Online  -  UN Global Study on Homicide</a:t>
+              <a:t>Private Islands Online  |  UN Global Study on Homicide</a:t>
             </a:r>
           </a:p>
           <a:p>
@@ -4335,7 +4424,7 @@
                   <a:srgbClr val="000000"/>
                 </a:solidFill>
               </a:rPr>
-              <a:t>Transparency International Corruption Perceptions Index  -  Geo-DB API </a:t>
+              <a:t>Transparency International Corruption Perceptions Index  |  Geo-DB API </a:t>
             </a:r>
           </a:p>
           <a:p>
@@ -4348,7 +4437,7 @@
                   <a:srgbClr val="000000"/>
                 </a:solidFill>
               </a:rPr>
-              <a:t>HTML  -  CSS  -  </a:t>
+              <a:t>Python | Pandas | </a:t>
             </a:r>
             <a:r>
               <a:rPr lang="en-US" sz="2000" dirty="0" err="1">
@@ -4356,7 +4445,7 @@
                   <a:srgbClr val="000000"/>
                 </a:solidFill>
               </a:rPr>
-              <a:t>Javascript</a:t>
+              <a:t>Plotly</a:t>
             </a:r>
             <a:r>
               <a:rPr lang="en-US" sz="2000" dirty="0">
@@ -4364,18 +4453,21 @@
                   <a:srgbClr val="000000"/>
                 </a:solidFill>
               </a:rPr>
-              <a:t>  -  D3  -  Parsley  -  MongoDB </a:t>
+              <a:t> | HTML | Bootstrap | CSS </a:t>
             </a:r>
           </a:p>
           <a:p>
             <a:pPr marL="0" indent="0" algn="ctr">
               <a:buNone/>
             </a:pPr>
-            <a:endParaRPr lang="en-US" sz="2000" dirty="0">
-              <a:solidFill>
-                <a:srgbClr val="000000"/>
-              </a:solidFill>
-            </a:endParaRPr>
+            <a:r>
+              <a:rPr lang="en-US" sz="2000" dirty="0">
+                <a:solidFill>
+                  <a:srgbClr val="000000"/>
+                </a:solidFill>
+              </a:rPr>
+              <a:t>JavaScript | jQuery | D3 | Parsley | Flask | MongoDB </a:t>
+            </a:r>
           </a:p>
           <a:p>
             <a:pPr marL="0" indent="0" algn="ctr">
@@ -4693,8 +4785,13 @@
           </a:bodyPr>
           <a:lstStyle/>
           <a:p>
-            <a:pPr algn="l"/>
-            <a:endParaRPr lang="en-US" dirty="0">
+            <a:r>
+              <a:rPr lang="en-US" dirty="0">
+                <a:hlinkClick r:id="rId3"/>
+              </a:rPr>
+              <a:t>http://islandlair.herokuapp.com/</a:t>
+            </a:r>
+            <a:endParaRPr lang="en-US" b="1" u="sng" dirty="0">
               <a:solidFill>
                 <a:srgbClr val="000000"/>
               </a:solidFill>
